--- a/css/css-lecture-4/css-lecture-4.pptx
+++ b/css/css-lecture-4/css-lecture-4.pptx
@@ -5,10 +5,10 @@
     <p:sldMasterId id="2147483669" r:id="rId4"/>
   </p:sldMasterIdLst>
   <p:notesMasterIdLst>
-    <p:notesMasterId r:id="rId13"/>
+    <p:notesMasterId r:id="rId14"/>
   </p:notesMasterIdLst>
   <p:handoutMasterIdLst>
-    <p:handoutMasterId r:id="rId14"/>
+    <p:handoutMasterId r:id="rId15"/>
   </p:handoutMasterIdLst>
   <p:sldIdLst>
     <p:sldId id="258" r:id="rId5"/>
@@ -19,6 +19,7 @@
     <p:sldId id="270" r:id="rId10"/>
     <p:sldId id="272" r:id="rId11"/>
     <p:sldId id="269" r:id="rId12"/>
+    <p:sldId id="275" r:id="rId13"/>
   </p:sldIdLst>
   <p:sldSz cx="12192000" cy="6858000"/>
   <p:notesSz cx="6858000" cy="9144000"/>
@@ -723,7 +724,7 @@
           <a:noFill/>
           <a:extLst>
             <a:ext uri="{909E8E84-426E-40dd-AFC4-6F175D3DCCD1}">
-              <a14:hiddenFill xmlns:a14="http://schemas.microsoft.com/office/drawing/2010/main" xmlns="">
+              <a14:hiddenFill xmlns="" xmlns:a14="http://schemas.microsoft.com/office/drawing/2010/main">
                 <a:solidFill>
                   <a:srgbClr val="FFFFFF"/>
                 </a:solidFill>
@@ -782,7 +783,7 @@
             </a:ln>
             <a:extLst>
               <a:ext uri="{91240B29-F687-4f45-9708-019B960494DF}">
-                <a14:hiddenLine xmlns:a14="http://schemas.microsoft.com/office/drawing/2010/main" xmlns="" w="9525">
+                <a14:hiddenLine xmlns="" xmlns:a14="http://schemas.microsoft.com/office/drawing/2010/main" w="9525">
                   <a:solidFill>
                     <a:srgbClr val="000000"/>
                   </a:solidFill>
@@ -872,7 +873,7 @@
             </a:ln>
             <a:extLst>
               <a:ext uri="{91240B29-F687-4f45-9708-019B960494DF}">
-                <a14:hiddenLine xmlns:a14="http://schemas.microsoft.com/office/drawing/2010/main" xmlns="" w="9525">
+                <a14:hiddenLine xmlns="" xmlns:a14="http://schemas.microsoft.com/office/drawing/2010/main" w="9525">
                   <a:solidFill>
                     <a:srgbClr val="000000"/>
                   </a:solidFill>
@@ -962,7 +963,7 @@
             </a:ln>
             <a:extLst>
               <a:ext uri="{91240B29-F687-4f45-9708-019B960494DF}">
-                <a14:hiddenLine xmlns:a14="http://schemas.microsoft.com/office/drawing/2010/main" xmlns="" w="9525">
+                <a14:hiddenLine xmlns="" xmlns:a14="http://schemas.microsoft.com/office/drawing/2010/main" w="9525">
                   <a:solidFill>
                     <a:srgbClr val="000000"/>
                   </a:solidFill>
@@ -996,7 +997,7 @@
             </a:ln>
             <a:extLst>
               <a:ext uri="{91240B29-F687-4f45-9708-019B960494DF}">
-                <a14:hiddenLine xmlns:a14="http://schemas.microsoft.com/office/drawing/2010/main" xmlns="" w="9525">
+                <a14:hiddenLine xmlns="" xmlns:a14="http://schemas.microsoft.com/office/drawing/2010/main" w="9525">
                   <a:solidFill>
                     <a:srgbClr val="000000"/>
                   </a:solidFill>
@@ -1086,7 +1087,7 @@
             </a:ln>
             <a:extLst>
               <a:ext uri="{91240B29-F687-4f45-9708-019B960494DF}">
-                <a14:hiddenLine xmlns:a14="http://schemas.microsoft.com/office/drawing/2010/main" xmlns="" w="9525">
+                <a14:hiddenLine xmlns="" xmlns:a14="http://schemas.microsoft.com/office/drawing/2010/main" w="9525">
                   <a:solidFill>
                     <a:srgbClr val="000000"/>
                   </a:solidFill>
@@ -1148,7 +1149,7 @@
             </a:ln>
             <a:extLst>
               <a:ext uri="{91240B29-F687-4f45-9708-019B960494DF}">
-                <a14:hiddenLine xmlns:a14="http://schemas.microsoft.com/office/drawing/2010/main" xmlns="" w="9525">
+                <a14:hiddenLine xmlns="" xmlns:a14="http://schemas.microsoft.com/office/drawing/2010/main" w="9525">
                   <a:solidFill>
                     <a:srgbClr val="000000"/>
                   </a:solidFill>
@@ -1210,7 +1211,7 @@
             </a:ln>
             <a:extLst>
               <a:ext uri="{91240B29-F687-4f45-9708-019B960494DF}">
-                <a14:hiddenLine xmlns:a14="http://schemas.microsoft.com/office/drawing/2010/main" xmlns="" w="9525">
+                <a14:hiddenLine xmlns="" xmlns:a14="http://schemas.microsoft.com/office/drawing/2010/main" w="9525">
                   <a:solidFill>
                     <a:srgbClr val="000000"/>
                   </a:solidFill>
@@ -1300,7 +1301,7 @@
             </a:ln>
             <a:extLst>
               <a:ext uri="{91240B29-F687-4f45-9708-019B960494DF}">
-                <a14:hiddenLine xmlns:a14="http://schemas.microsoft.com/office/drawing/2010/main" xmlns="" w="9525">
+                <a14:hiddenLine xmlns="" xmlns:a14="http://schemas.microsoft.com/office/drawing/2010/main" w="9525">
                   <a:solidFill>
                     <a:srgbClr val="000000"/>
                   </a:solidFill>
@@ -1362,7 +1363,7 @@
             </a:ln>
             <a:extLst>
               <a:ext uri="{91240B29-F687-4f45-9708-019B960494DF}">
-                <a14:hiddenLine xmlns:a14="http://schemas.microsoft.com/office/drawing/2010/main" xmlns="" w="9525">
+                <a14:hiddenLine xmlns="" xmlns:a14="http://schemas.microsoft.com/office/drawing/2010/main" w="9525">
                   <a:solidFill>
                     <a:srgbClr val="000000"/>
                   </a:solidFill>
@@ -1424,7 +1425,7 @@
             </a:ln>
             <a:extLst>
               <a:ext uri="{91240B29-F687-4f45-9708-019B960494DF}">
-                <a14:hiddenLine xmlns:a14="http://schemas.microsoft.com/office/drawing/2010/main" xmlns="" w="9525">
+                <a14:hiddenLine xmlns="" xmlns:a14="http://schemas.microsoft.com/office/drawing/2010/main" w="9525">
                   <a:solidFill>
                     <a:srgbClr val="000000"/>
                   </a:solidFill>
@@ -1514,7 +1515,7 @@
             </a:ln>
             <a:extLst>
               <a:ext uri="{91240B29-F687-4f45-9708-019B960494DF}">
-                <a14:hiddenLine xmlns:a14="http://schemas.microsoft.com/office/drawing/2010/main" xmlns="" w="9525">
+                <a14:hiddenLine xmlns="" xmlns:a14="http://schemas.microsoft.com/office/drawing/2010/main" w="9525">
                   <a:solidFill>
                     <a:srgbClr val="000000"/>
                   </a:solidFill>
@@ -1604,7 +1605,7 @@
             </a:ln>
             <a:extLst>
               <a:ext uri="{91240B29-F687-4f45-9708-019B960494DF}">
-                <a14:hiddenLine xmlns:a14="http://schemas.microsoft.com/office/drawing/2010/main" xmlns="" w="9525">
+                <a14:hiddenLine xmlns="" xmlns:a14="http://schemas.microsoft.com/office/drawing/2010/main" w="9525">
                   <a:solidFill>
                     <a:srgbClr val="000000"/>
                   </a:solidFill>
@@ -1666,7 +1667,7 @@
             </a:ln>
             <a:extLst>
               <a:ext uri="{91240B29-F687-4f45-9708-019B960494DF}">
-                <a14:hiddenLine xmlns:a14="http://schemas.microsoft.com/office/drawing/2010/main" xmlns="" w="9525">
+                <a14:hiddenLine xmlns="" xmlns:a14="http://schemas.microsoft.com/office/drawing/2010/main" w="9525">
                   <a:solidFill>
                     <a:srgbClr val="000000"/>
                   </a:solidFill>
@@ -1776,7 +1777,7 @@
             </a:ln>
             <a:extLst>
               <a:ext uri="{91240B29-F687-4f45-9708-019B960494DF}">
-                <a14:hiddenLine xmlns:a14="http://schemas.microsoft.com/office/drawing/2010/main" xmlns="" w="9525">
+                <a14:hiddenLine xmlns="" xmlns:a14="http://schemas.microsoft.com/office/drawing/2010/main" w="9525">
                   <a:solidFill>
                     <a:srgbClr val="000000"/>
                   </a:solidFill>
@@ -1838,7 +1839,7 @@
             </a:ln>
             <a:extLst>
               <a:ext uri="{91240B29-F687-4f45-9708-019B960494DF}">
-                <a14:hiddenLine xmlns:a14="http://schemas.microsoft.com/office/drawing/2010/main" xmlns="" w="9525">
+                <a14:hiddenLine xmlns="" xmlns:a14="http://schemas.microsoft.com/office/drawing/2010/main" w="9525">
                   <a:solidFill>
                     <a:srgbClr val="000000"/>
                   </a:solidFill>
@@ -1928,7 +1929,7 @@
             </a:ln>
             <a:extLst>
               <a:ext uri="{91240B29-F687-4f45-9708-019B960494DF}">
-                <a14:hiddenLine xmlns:a14="http://schemas.microsoft.com/office/drawing/2010/main" xmlns="" w="9525">
+                <a14:hiddenLine xmlns="" xmlns:a14="http://schemas.microsoft.com/office/drawing/2010/main" w="9525">
                   <a:solidFill>
                     <a:srgbClr val="000000"/>
                   </a:solidFill>
@@ -2018,7 +2019,7 @@
             </a:ln>
             <a:extLst>
               <a:ext uri="{91240B29-F687-4f45-9708-019B960494DF}">
-                <a14:hiddenLine xmlns:a14="http://schemas.microsoft.com/office/drawing/2010/main" xmlns="" w="9525">
+                <a14:hiddenLine xmlns="" xmlns:a14="http://schemas.microsoft.com/office/drawing/2010/main" w="9525">
                   <a:solidFill>
                     <a:srgbClr val="000000"/>
                   </a:solidFill>
@@ -2080,7 +2081,7 @@
             </a:ln>
             <a:extLst>
               <a:ext uri="{91240B29-F687-4f45-9708-019B960494DF}">
-                <a14:hiddenLine xmlns:a14="http://schemas.microsoft.com/office/drawing/2010/main" xmlns="" w="9525">
+                <a14:hiddenLine xmlns="" xmlns:a14="http://schemas.microsoft.com/office/drawing/2010/main" w="9525">
                   <a:solidFill>
                     <a:srgbClr val="000000"/>
                   </a:solidFill>
@@ -2170,7 +2171,7 @@
             </a:ln>
             <a:extLst>
               <a:ext uri="{91240B29-F687-4f45-9708-019B960494DF}">
-                <a14:hiddenLine xmlns:a14="http://schemas.microsoft.com/office/drawing/2010/main" xmlns="" w="9525">
+                <a14:hiddenLine xmlns="" xmlns:a14="http://schemas.microsoft.com/office/drawing/2010/main" w="9525">
                   <a:solidFill>
                     <a:srgbClr val="000000"/>
                   </a:solidFill>
@@ -2260,7 +2261,7 @@
             </a:ln>
             <a:extLst>
               <a:ext uri="{91240B29-F687-4f45-9708-019B960494DF}">
-                <a14:hiddenLine xmlns:a14="http://schemas.microsoft.com/office/drawing/2010/main" xmlns="" w="9525">
+                <a14:hiddenLine xmlns="" xmlns:a14="http://schemas.microsoft.com/office/drawing/2010/main" w="9525">
                   <a:solidFill>
                     <a:srgbClr val="000000"/>
                   </a:solidFill>
@@ -2316,7 +2317,7 @@
             </a:ln>
             <a:extLst>
               <a:ext uri="{91240B29-F687-4f45-9708-019B960494DF}">
-                <a14:hiddenLine xmlns:a14="http://schemas.microsoft.com/office/drawing/2010/main" xmlns="" w="9525">
+                <a14:hiddenLine xmlns="" xmlns:a14="http://schemas.microsoft.com/office/drawing/2010/main" w="9525">
                   <a:solidFill>
                     <a:srgbClr val="000000"/>
                   </a:solidFill>
@@ -2406,7 +2407,7 @@
             </a:ln>
             <a:extLst>
               <a:ext uri="{91240B29-F687-4f45-9708-019B960494DF}">
-                <a14:hiddenLine xmlns:a14="http://schemas.microsoft.com/office/drawing/2010/main" xmlns="" w="9525">
+                <a14:hiddenLine xmlns="" xmlns:a14="http://schemas.microsoft.com/office/drawing/2010/main" w="9525">
                   <a:solidFill>
                     <a:srgbClr val="000000"/>
                   </a:solidFill>
@@ -2462,7 +2463,7 @@
             </a:ln>
             <a:extLst>
               <a:ext uri="{91240B29-F687-4f45-9708-019B960494DF}">
-                <a14:hiddenLine xmlns:a14="http://schemas.microsoft.com/office/drawing/2010/main" xmlns="" w="9525">
+                <a14:hiddenLine xmlns="" xmlns:a14="http://schemas.microsoft.com/office/drawing/2010/main" w="9525">
                   <a:solidFill>
                     <a:srgbClr val="000000"/>
                   </a:solidFill>
@@ -2552,7 +2553,7 @@
             </a:ln>
             <a:extLst>
               <a:ext uri="{91240B29-F687-4f45-9708-019B960494DF}">
-                <a14:hiddenLine xmlns:a14="http://schemas.microsoft.com/office/drawing/2010/main" xmlns="" w="9525">
+                <a14:hiddenLine xmlns="" xmlns:a14="http://schemas.microsoft.com/office/drawing/2010/main" w="9525">
                   <a:solidFill>
                     <a:srgbClr val="000000"/>
                   </a:solidFill>
@@ -2620,7 +2621,7 @@
             </a:ln>
             <a:extLst>
               <a:ext uri="{91240B29-F687-4f45-9708-019B960494DF}">
-                <a14:hiddenLine xmlns:a14="http://schemas.microsoft.com/office/drawing/2010/main" xmlns="" w="9525">
+                <a14:hiddenLine xmlns="" xmlns:a14="http://schemas.microsoft.com/office/drawing/2010/main" w="9525">
                   <a:solidFill>
                     <a:srgbClr val="000000"/>
                   </a:solidFill>
@@ -2710,7 +2711,7 @@
             </a:ln>
             <a:extLst>
               <a:ext uri="{91240B29-F687-4f45-9708-019B960494DF}">
-                <a14:hiddenLine xmlns:a14="http://schemas.microsoft.com/office/drawing/2010/main" xmlns="" w="9525">
+                <a14:hiddenLine xmlns="" xmlns:a14="http://schemas.microsoft.com/office/drawing/2010/main" w="9525">
                   <a:solidFill>
                     <a:srgbClr val="000000"/>
                   </a:solidFill>
@@ -2778,7 +2779,7 @@
             </a:ln>
             <a:extLst>
               <a:ext uri="{91240B29-F687-4f45-9708-019B960494DF}">
-                <a14:hiddenLine xmlns:a14="http://schemas.microsoft.com/office/drawing/2010/main" xmlns="" w="9525">
+                <a14:hiddenLine xmlns="" xmlns:a14="http://schemas.microsoft.com/office/drawing/2010/main" w="9525">
                   <a:solidFill>
                     <a:srgbClr val="000000"/>
                   </a:solidFill>
@@ -2868,7 +2869,7 @@
             </a:ln>
             <a:extLst>
               <a:ext uri="{91240B29-F687-4f45-9708-019B960494DF}">
-                <a14:hiddenLine xmlns:a14="http://schemas.microsoft.com/office/drawing/2010/main" xmlns="" w="9525">
+                <a14:hiddenLine xmlns="" xmlns:a14="http://schemas.microsoft.com/office/drawing/2010/main" w="9525">
                   <a:solidFill>
                     <a:srgbClr val="000000"/>
                   </a:solidFill>
@@ -2902,7 +2903,7 @@
             </a:ln>
             <a:extLst>
               <a:ext uri="{91240B29-F687-4f45-9708-019B960494DF}">
-                <a14:hiddenLine xmlns:a14="http://schemas.microsoft.com/office/drawing/2010/main" xmlns="" w="9525">
+                <a14:hiddenLine xmlns="" xmlns:a14="http://schemas.microsoft.com/office/drawing/2010/main" w="9525">
                   <a:solidFill>
                     <a:srgbClr val="000000"/>
                   </a:solidFill>
@@ -2992,7 +2993,7 @@
             </a:ln>
             <a:extLst>
               <a:ext uri="{91240B29-F687-4f45-9708-019B960494DF}">
-                <a14:hiddenLine xmlns:a14="http://schemas.microsoft.com/office/drawing/2010/main" xmlns="" w="9525">
+                <a14:hiddenLine xmlns="" xmlns:a14="http://schemas.microsoft.com/office/drawing/2010/main" w="9525">
                   <a:solidFill>
                     <a:srgbClr val="000000"/>
                   </a:solidFill>
@@ -3054,7 +3055,7 @@
             </a:ln>
             <a:extLst>
               <a:ext uri="{91240B29-F687-4f45-9708-019B960494DF}">
-                <a14:hiddenLine xmlns:a14="http://schemas.microsoft.com/office/drawing/2010/main" xmlns="" w="9525">
+                <a14:hiddenLine xmlns="" xmlns:a14="http://schemas.microsoft.com/office/drawing/2010/main" w="9525">
                   <a:solidFill>
                     <a:srgbClr val="000000"/>
                   </a:solidFill>
@@ -3116,7 +3117,7 @@
             </a:ln>
             <a:extLst>
               <a:ext uri="{91240B29-F687-4f45-9708-019B960494DF}">
-                <a14:hiddenLine xmlns:a14="http://schemas.microsoft.com/office/drawing/2010/main" xmlns="" w="9525">
+                <a14:hiddenLine xmlns="" xmlns:a14="http://schemas.microsoft.com/office/drawing/2010/main" w="9525">
                   <a:solidFill>
                     <a:srgbClr val="000000"/>
                   </a:solidFill>
@@ -3206,7 +3207,7 @@
             </a:ln>
             <a:extLst>
               <a:ext uri="{91240B29-F687-4f45-9708-019B960494DF}">
-                <a14:hiddenLine xmlns:a14="http://schemas.microsoft.com/office/drawing/2010/main" xmlns="" w="9525">
+                <a14:hiddenLine xmlns="" xmlns:a14="http://schemas.microsoft.com/office/drawing/2010/main" w="9525">
                   <a:solidFill>
                     <a:srgbClr val="000000"/>
                   </a:solidFill>
@@ -3274,7 +3275,7 @@
             </a:ln>
             <a:extLst>
               <a:ext uri="{91240B29-F687-4f45-9708-019B960494DF}">
-                <a14:hiddenLine xmlns:a14="http://schemas.microsoft.com/office/drawing/2010/main" xmlns="" w="9525">
+                <a14:hiddenLine xmlns="" xmlns:a14="http://schemas.microsoft.com/office/drawing/2010/main" w="9525">
                   <a:solidFill>
                     <a:srgbClr val="000000"/>
                   </a:solidFill>
@@ -3336,7 +3337,7 @@
             </a:ln>
             <a:extLst>
               <a:ext uri="{91240B29-F687-4f45-9708-019B960494DF}">
-                <a14:hiddenLine xmlns:a14="http://schemas.microsoft.com/office/drawing/2010/main" xmlns="" w="9525">
+                <a14:hiddenLine xmlns="" xmlns:a14="http://schemas.microsoft.com/office/drawing/2010/main" w="9525">
                   <a:solidFill>
                     <a:srgbClr val="000000"/>
                   </a:solidFill>
@@ -3426,7 +3427,7 @@
             </a:ln>
             <a:extLst>
               <a:ext uri="{91240B29-F687-4f45-9708-019B960494DF}">
-                <a14:hiddenLine xmlns:a14="http://schemas.microsoft.com/office/drawing/2010/main" xmlns="" w="9525">
+                <a14:hiddenLine xmlns="" xmlns:a14="http://schemas.microsoft.com/office/drawing/2010/main" w="9525">
                   <a:solidFill>
                     <a:srgbClr val="000000"/>
                   </a:solidFill>
@@ -3488,7 +3489,7 @@
             </a:ln>
             <a:extLst>
               <a:ext uri="{91240B29-F687-4f45-9708-019B960494DF}">
-                <a14:hiddenLine xmlns:a14="http://schemas.microsoft.com/office/drawing/2010/main" xmlns="" w="9525">
+                <a14:hiddenLine xmlns="" xmlns:a14="http://schemas.microsoft.com/office/drawing/2010/main" w="9525">
                   <a:solidFill>
                     <a:srgbClr val="000000"/>
                   </a:solidFill>
@@ -3578,7 +3579,7 @@
             </a:ln>
             <a:extLst>
               <a:ext uri="{91240B29-F687-4f45-9708-019B960494DF}">
-                <a14:hiddenLine xmlns:a14="http://schemas.microsoft.com/office/drawing/2010/main" xmlns="" w="9525">
+                <a14:hiddenLine xmlns="" xmlns:a14="http://schemas.microsoft.com/office/drawing/2010/main" w="9525">
                   <a:solidFill>
                     <a:srgbClr val="000000"/>
                   </a:solidFill>
@@ -3640,7 +3641,7 @@
             </a:ln>
             <a:extLst>
               <a:ext uri="{91240B29-F687-4f45-9708-019B960494DF}">
-                <a14:hiddenLine xmlns:a14="http://schemas.microsoft.com/office/drawing/2010/main" xmlns="" w="9525">
+                <a14:hiddenLine xmlns="" xmlns:a14="http://schemas.microsoft.com/office/drawing/2010/main" w="9525">
                   <a:solidFill>
                     <a:srgbClr val="000000"/>
                   </a:solidFill>
@@ -3730,7 +3731,7 @@
             </a:ln>
             <a:extLst>
               <a:ext uri="{91240B29-F687-4f45-9708-019B960494DF}">
-                <a14:hiddenLine xmlns:a14="http://schemas.microsoft.com/office/drawing/2010/main" xmlns="" w="9525">
+                <a14:hiddenLine xmlns="" xmlns:a14="http://schemas.microsoft.com/office/drawing/2010/main" w="9525">
                   <a:solidFill>
                     <a:srgbClr val="000000"/>
                   </a:solidFill>
@@ -3764,7 +3765,7 @@
             </a:ln>
             <a:extLst>
               <a:ext uri="{91240B29-F687-4f45-9708-019B960494DF}">
-                <a14:hiddenLine xmlns:a14="http://schemas.microsoft.com/office/drawing/2010/main" xmlns="" w="9525">
+                <a14:hiddenLine xmlns="" xmlns:a14="http://schemas.microsoft.com/office/drawing/2010/main" w="9525">
                   <a:solidFill>
                     <a:srgbClr val="000000"/>
                   </a:solidFill>
@@ -3829,7 +3830,7 @@
             </a:ln>
             <a:extLst>
               <a:ext uri="{91240B29-F687-4f45-9708-019B960494DF}">
-                <a14:hiddenLine xmlns:a14="http://schemas.microsoft.com/office/drawing/2010/main" xmlns="" w="9525">
+                <a14:hiddenLine xmlns="" xmlns:a14="http://schemas.microsoft.com/office/drawing/2010/main" w="9525">
                   <a:solidFill>
                     <a:srgbClr val="000000"/>
                   </a:solidFill>
@@ -3919,7 +3920,7 @@
             </a:ln>
             <a:extLst>
               <a:ext uri="{91240B29-F687-4f45-9708-019B960494DF}">
-                <a14:hiddenLine xmlns:a14="http://schemas.microsoft.com/office/drawing/2010/main" xmlns="" w="9525">
+                <a14:hiddenLine xmlns="" xmlns:a14="http://schemas.microsoft.com/office/drawing/2010/main" w="9525">
                   <a:solidFill>
                     <a:srgbClr val="000000"/>
                   </a:solidFill>
@@ -3981,7 +3982,7 @@
             </a:ln>
             <a:extLst>
               <a:ext uri="{91240B29-F687-4f45-9708-019B960494DF}">
-                <a14:hiddenLine xmlns:a14="http://schemas.microsoft.com/office/drawing/2010/main" xmlns="" w="9525">
+                <a14:hiddenLine xmlns="" xmlns:a14="http://schemas.microsoft.com/office/drawing/2010/main" w="9525">
                   <a:solidFill>
                     <a:srgbClr val="000000"/>
                   </a:solidFill>
@@ -4071,7 +4072,7 @@
             </a:ln>
             <a:extLst>
               <a:ext uri="{91240B29-F687-4f45-9708-019B960494DF}">
-                <a14:hiddenLine xmlns:a14="http://schemas.microsoft.com/office/drawing/2010/main" xmlns="" w="9525">
+                <a14:hiddenLine xmlns="" xmlns:a14="http://schemas.microsoft.com/office/drawing/2010/main" w="9525">
                   <a:solidFill>
                     <a:srgbClr val="000000"/>
                   </a:solidFill>
@@ -4161,7 +4162,7 @@
             </a:ln>
             <a:extLst>
               <a:ext uri="{91240B29-F687-4f45-9708-019B960494DF}">
-                <a14:hiddenLine xmlns:a14="http://schemas.microsoft.com/office/drawing/2010/main" xmlns="" w="9525">
+                <a14:hiddenLine xmlns="" xmlns:a14="http://schemas.microsoft.com/office/drawing/2010/main" w="9525">
                   <a:solidFill>
                     <a:srgbClr val="000000"/>
                   </a:solidFill>
@@ -4226,7 +4227,7 @@
             </a:ln>
             <a:extLst>
               <a:ext uri="{91240B29-F687-4f45-9708-019B960494DF}">
-                <a14:hiddenLine xmlns:a14="http://schemas.microsoft.com/office/drawing/2010/main" xmlns="" w="9525">
+                <a14:hiddenLine xmlns="" xmlns:a14="http://schemas.microsoft.com/office/drawing/2010/main" w="9525">
                   <a:solidFill>
                     <a:srgbClr val="000000"/>
                   </a:solidFill>
@@ -4288,7 +4289,7 @@
             </a:ln>
             <a:extLst>
               <a:ext uri="{91240B29-F687-4f45-9708-019B960494DF}">
-                <a14:hiddenLine xmlns:a14="http://schemas.microsoft.com/office/drawing/2010/main" xmlns="" w="9525">
+                <a14:hiddenLine xmlns="" xmlns:a14="http://schemas.microsoft.com/office/drawing/2010/main" w="9525">
                   <a:solidFill>
                     <a:srgbClr val="000000"/>
                   </a:solidFill>
@@ -4378,7 +4379,7 @@
             </a:ln>
             <a:extLst>
               <a:ext uri="{91240B29-F687-4f45-9708-019B960494DF}">
-                <a14:hiddenLine xmlns:a14="http://schemas.microsoft.com/office/drawing/2010/main" xmlns="" w="9525">
+                <a14:hiddenLine xmlns="" xmlns:a14="http://schemas.microsoft.com/office/drawing/2010/main" w="9525">
                   <a:solidFill>
                     <a:srgbClr val="000000"/>
                   </a:solidFill>
@@ -4468,7 +4469,7 @@
             </a:ln>
             <a:extLst>
               <a:ext uri="{91240B29-F687-4f45-9708-019B960494DF}">
-                <a14:hiddenLine xmlns:a14="http://schemas.microsoft.com/office/drawing/2010/main" xmlns="" w="9525">
+                <a14:hiddenLine xmlns="" xmlns:a14="http://schemas.microsoft.com/office/drawing/2010/main" w="9525">
                   <a:solidFill>
                     <a:srgbClr val="000000"/>
                   </a:solidFill>
@@ -4530,7 +4531,7 @@
             </a:ln>
             <a:extLst>
               <a:ext uri="{91240B29-F687-4f45-9708-019B960494DF}">
-                <a14:hiddenLine xmlns:a14="http://schemas.microsoft.com/office/drawing/2010/main" xmlns="" w="9525">
+                <a14:hiddenLine xmlns="" xmlns:a14="http://schemas.microsoft.com/office/drawing/2010/main" w="9525">
                   <a:solidFill>
                     <a:srgbClr val="000000"/>
                   </a:solidFill>
@@ -4650,7 +4651,7 @@
             </a:ln>
             <a:extLst>
               <a:ext uri="{91240B29-F687-4f45-9708-019B960494DF}">
-                <a14:hiddenLine xmlns:a14="http://schemas.microsoft.com/office/drawing/2010/main" xmlns="" w="9525">
+                <a14:hiddenLine xmlns="" xmlns:a14="http://schemas.microsoft.com/office/drawing/2010/main" w="9525">
                   <a:solidFill>
                     <a:srgbClr val="000000"/>
                   </a:solidFill>
@@ -4718,7 +4719,7 @@
             </a:ln>
             <a:extLst>
               <a:ext uri="{91240B29-F687-4f45-9708-019B960494DF}">
-                <a14:hiddenLine xmlns:a14="http://schemas.microsoft.com/office/drawing/2010/main" xmlns="" w="9525">
+                <a14:hiddenLine xmlns="" xmlns:a14="http://schemas.microsoft.com/office/drawing/2010/main" w="9525">
                   <a:solidFill>
                     <a:srgbClr val="000000"/>
                   </a:solidFill>
@@ -4808,7 +4809,7 @@
             </a:ln>
             <a:extLst>
               <a:ext uri="{91240B29-F687-4f45-9708-019B960494DF}">
-                <a14:hiddenLine xmlns:a14="http://schemas.microsoft.com/office/drawing/2010/main" xmlns="" w="9525">
+                <a14:hiddenLine xmlns="" xmlns:a14="http://schemas.microsoft.com/office/drawing/2010/main" w="9525">
                   <a:solidFill>
                     <a:srgbClr val="000000"/>
                   </a:solidFill>
@@ -9622,7 +9623,7 @@
           <a:noFill/>
           <a:extLst>
             <a:ext uri="{909E8E84-426E-40dd-AFC4-6F175D3DCCD1}">
-              <a14:hiddenFill xmlns:a14="http://schemas.microsoft.com/office/drawing/2010/main" xmlns="">
+              <a14:hiddenFill xmlns="" xmlns:a14="http://schemas.microsoft.com/office/drawing/2010/main">
                 <a:solidFill>
                   <a:srgbClr val="FFFFFF"/>
                 </a:solidFill>
@@ -9696,7 +9697,7 @@
               </a:ln>
               <a:extLst>
                 <a:ext uri="{91240B29-F687-4f45-9708-019B960494DF}">
-                  <a14:hiddenLine xmlns:a14="http://schemas.microsoft.com/office/drawing/2010/main" xmlns="" w="9525">
+                  <a14:hiddenLine xmlns="" xmlns:a14="http://schemas.microsoft.com/office/drawing/2010/main" w="9525">
                     <a:solidFill>
                       <a:srgbClr val="000000"/>
                     </a:solidFill>
@@ -9786,7 +9787,7 @@
               </a:ln>
               <a:extLst>
                 <a:ext uri="{91240B29-F687-4f45-9708-019B960494DF}">
-                  <a14:hiddenLine xmlns:a14="http://schemas.microsoft.com/office/drawing/2010/main" xmlns="" w="9525">
+                  <a14:hiddenLine xmlns="" xmlns:a14="http://schemas.microsoft.com/office/drawing/2010/main" w="9525">
                     <a:solidFill>
                       <a:srgbClr val="000000"/>
                     </a:solidFill>
@@ -9876,7 +9877,7 @@
               </a:ln>
               <a:extLst>
                 <a:ext uri="{91240B29-F687-4f45-9708-019B960494DF}">
-                  <a14:hiddenLine xmlns:a14="http://schemas.microsoft.com/office/drawing/2010/main" xmlns="" w="9525">
+                  <a14:hiddenLine xmlns="" xmlns:a14="http://schemas.microsoft.com/office/drawing/2010/main" w="9525">
                     <a:solidFill>
                       <a:srgbClr val="000000"/>
                     </a:solidFill>
@@ -9938,7 +9939,7 @@
               </a:ln>
               <a:extLst>
                 <a:ext uri="{91240B29-F687-4f45-9708-019B960494DF}">
-                  <a14:hiddenLine xmlns:a14="http://schemas.microsoft.com/office/drawing/2010/main" xmlns="" w="9525">
+                  <a14:hiddenLine xmlns="" xmlns:a14="http://schemas.microsoft.com/office/drawing/2010/main" w="9525">
                     <a:solidFill>
                       <a:srgbClr val="000000"/>
                     </a:solidFill>
@@ -10028,7 +10029,7 @@
               </a:ln>
               <a:extLst>
                 <a:ext uri="{91240B29-F687-4f45-9708-019B960494DF}">
-                  <a14:hiddenLine xmlns:a14="http://schemas.microsoft.com/office/drawing/2010/main" xmlns="" w="9525">
+                  <a14:hiddenLine xmlns="" xmlns:a14="http://schemas.microsoft.com/office/drawing/2010/main" w="9525">
                     <a:solidFill>
                       <a:srgbClr val="000000"/>
                     </a:solidFill>
@@ -10090,7 +10091,7 @@
               </a:ln>
               <a:extLst>
                 <a:ext uri="{91240B29-F687-4f45-9708-019B960494DF}">
-                  <a14:hiddenLine xmlns:a14="http://schemas.microsoft.com/office/drawing/2010/main" xmlns="" w="9525">
+                  <a14:hiddenLine xmlns="" xmlns:a14="http://schemas.microsoft.com/office/drawing/2010/main" w="9525">
                     <a:solidFill>
                       <a:srgbClr val="000000"/>
                     </a:solidFill>
@@ -10152,7 +10153,7 @@
               </a:ln>
               <a:extLst>
                 <a:ext uri="{91240B29-F687-4f45-9708-019B960494DF}">
-                  <a14:hiddenLine xmlns:a14="http://schemas.microsoft.com/office/drawing/2010/main" xmlns="" w="9525">
+                  <a14:hiddenLine xmlns="" xmlns:a14="http://schemas.microsoft.com/office/drawing/2010/main" w="9525">
                     <a:solidFill>
                       <a:srgbClr val="000000"/>
                     </a:solidFill>
@@ -10242,7 +10243,7 @@
               </a:ln>
               <a:extLst>
                 <a:ext uri="{91240B29-F687-4f45-9708-019B960494DF}">
-                  <a14:hiddenLine xmlns:a14="http://schemas.microsoft.com/office/drawing/2010/main" xmlns="" w="9525">
+                  <a14:hiddenLine xmlns="" xmlns:a14="http://schemas.microsoft.com/office/drawing/2010/main" w="9525">
                     <a:solidFill>
                       <a:srgbClr val="000000"/>
                     </a:solidFill>
@@ -10332,7 +10333,7 @@
               </a:ln>
               <a:extLst>
                 <a:ext uri="{91240B29-F687-4f45-9708-019B960494DF}">
-                  <a14:hiddenLine xmlns:a14="http://schemas.microsoft.com/office/drawing/2010/main" xmlns="" w="9525">
+                  <a14:hiddenLine xmlns="" xmlns:a14="http://schemas.microsoft.com/office/drawing/2010/main" w="9525">
                     <a:solidFill>
                       <a:srgbClr val="000000"/>
                     </a:solidFill>
@@ -10394,7 +10395,7 @@
               </a:ln>
               <a:extLst>
                 <a:ext uri="{91240B29-F687-4f45-9708-019B960494DF}">
-                  <a14:hiddenLine xmlns:a14="http://schemas.microsoft.com/office/drawing/2010/main" xmlns="" w="9525">
+                  <a14:hiddenLine xmlns="" xmlns:a14="http://schemas.microsoft.com/office/drawing/2010/main" w="9525">
                     <a:solidFill>
                       <a:srgbClr val="000000"/>
                     </a:solidFill>
@@ -10504,7 +10505,7 @@
               </a:ln>
               <a:extLst>
                 <a:ext uri="{91240B29-F687-4f45-9708-019B960494DF}">
-                  <a14:hiddenLine xmlns:a14="http://schemas.microsoft.com/office/drawing/2010/main" xmlns="" w="9525">
+                  <a14:hiddenLine xmlns="" xmlns:a14="http://schemas.microsoft.com/office/drawing/2010/main" w="9525">
                     <a:solidFill>
                       <a:srgbClr val="000000"/>
                     </a:solidFill>
@@ -10588,7 +10589,7 @@
               </a:ln>
               <a:extLst>
                 <a:ext uri="{91240B29-F687-4f45-9708-019B960494DF}">
-                  <a14:hiddenLine xmlns:a14="http://schemas.microsoft.com/office/drawing/2010/main" xmlns="" w="9525">
+                  <a14:hiddenLine xmlns="" xmlns:a14="http://schemas.microsoft.com/office/drawing/2010/main" w="9525">
                     <a:solidFill>
                       <a:srgbClr val="000000"/>
                     </a:solidFill>
@@ -10650,7 +10651,7 @@
               </a:ln>
               <a:extLst>
                 <a:ext uri="{91240B29-F687-4f45-9708-019B960494DF}">
-                  <a14:hiddenLine xmlns:a14="http://schemas.microsoft.com/office/drawing/2010/main" xmlns="" w="9525">
+                  <a14:hiddenLine xmlns="" xmlns:a14="http://schemas.microsoft.com/office/drawing/2010/main" w="9525">
                     <a:solidFill>
                       <a:srgbClr val="000000"/>
                     </a:solidFill>
@@ -10712,7 +10713,7 @@
               </a:ln>
               <a:extLst>
                 <a:ext uri="{91240B29-F687-4f45-9708-019B960494DF}">
-                  <a14:hiddenLine xmlns:a14="http://schemas.microsoft.com/office/drawing/2010/main" xmlns="" w="9525">
+                  <a14:hiddenLine xmlns="" xmlns:a14="http://schemas.microsoft.com/office/drawing/2010/main" w="9525">
                     <a:solidFill>
                       <a:srgbClr val="000000"/>
                     </a:solidFill>
@@ -10802,7 +10803,7 @@
               </a:ln>
               <a:extLst>
                 <a:ext uri="{91240B29-F687-4f45-9708-019B960494DF}">
-                  <a14:hiddenLine xmlns:a14="http://schemas.microsoft.com/office/drawing/2010/main" xmlns="" w="9525">
+                  <a14:hiddenLine xmlns="" xmlns:a14="http://schemas.microsoft.com/office/drawing/2010/main" w="9525">
                     <a:solidFill>
                       <a:srgbClr val="000000"/>
                     </a:solidFill>
@@ -10836,7 +10837,7 @@
               </a:ln>
               <a:extLst>
                 <a:ext uri="{91240B29-F687-4f45-9708-019B960494DF}">
-                  <a14:hiddenLine xmlns:a14="http://schemas.microsoft.com/office/drawing/2010/main" xmlns="" w="9525">
+                  <a14:hiddenLine xmlns="" xmlns:a14="http://schemas.microsoft.com/office/drawing/2010/main" w="9525">
                     <a:solidFill>
                       <a:srgbClr val="000000"/>
                     </a:solidFill>
@@ -10901,7 +10902,7 @@
               </a:ln>
               <a:extLst>
                 <a:ext uri="{91240B29-F687-4f45-9708-019B960494DF}">
-                  <a14:hiddenLine xmlns:a14="http://schemas.microsoft.com/office/drawing/2010/main" xmlns="" w="9525">
+                  <a14:hiddenLine xmlns="" xmlns:a14="http://schemas.microsoft.com/office/drawing/2010/main" w="9525">
                     <a:solidFill>
                       <a:srgbClr val="000000"/>
                     </a:solidFill>
@@ -10991,7 +10992,7 @@
               </a:ln>
               <a:extLst>
                 <a:ext uri="{91240B29-F687-4f45-9708-019B960494DF}">
-                  <a14:hiddenLine xmlns:a14="http://schemas.microsoft.com/office/drawing/2010/main" xmlns="" w="9525">
+                  <a14:hiddenLine xmlns="" xmlns:a14="http://schemas.microsoft.com/office/drawing/2010/main" w="9525">
                     <a:solidFill>
                       <a:srgbClr val="000000"/>
                     </a:solidFill>
@@ -11053,7 +11054,7 @@
               </a:ln>
               <a:extLst>
                 <a:ext uri="{91240B29-F687-4f45-9708-019B960494DF}">
-                  <a14:hiddenLine xmlns:a14="http://schemas.microsoft.com/office/drawing/2010/main" xmlns="" w="9525">
+                  <a14:hiddenLine xmlns="" xmlns:a14="http://schemas.microsoft.com/office/drawing/2010/main" w="9525">
                     <a:solidFill>
                       <a:srgbClr val="000000"/>
                     </a:solidFill>
@@ -11143,7 +11144,7 @@
               </a:ln>
               <a:extLst>
                 <a:ext uri="{91240B29-F687-4f45-9708-019B960494DF}">
-                  <a14:hiddenLine xmlns:a14="http://schemas.microsoft.com/office/drawing/2010/main" xmlns="" w="9525">
+                  <a14:hiddenLine xmlns="" xmlns:a14="http://schemas.microsoft.com/office/drawing/2010/main" w="9525">
                     <a:solidFill>
                       <a:srgbClr val="000000"/>
                     </a:solidFill>
@@ -11208,7 +11209,7 @@
               </a:ln>
               <a:extLst>
                 <a:ext uri="{91240B29-F687-4f45-9708-019B960494DF}">
-                  <a14:hiddenLine xmlns:a14="http://schemas.microsoft.com/office/drawing/2010/main" xmlns="" w="9525">
+                  <a14:hiddenLine xmlns="" xmlns:a14="http://schemas.microsoft.com/office/drawing/2010/main" w="9525">
                     <a:solidFill>
                       <a:srgbClr val="000000"/>
                     </a:solidFill>
@@ -11270,7 +11271,7 @@
               </a:ln>
               <a:extLst>
                 <a:ext uri="{91240B29-F687-4f45-9708-019B960494DF}">
-                  <a14:hiddenLine xmlns:a14="http://schemas.microsoft.com/office/drawing/2010/main" xmlns="" w="9525">
+                  <a14:hiddenLine xmlns="" xmlns:a14="http://schemas.microsoft.com/office/drawing/2010/main" w="9525">
                     <a:solidFill>
                       <a:srgbClr val="000000"/>
                     </a:solidFill>
@@ -11360,7 +11361,7 @@
               </a:ln>
               <a:extLst>
                 <a:ext uri="{91240B29-F687-4f45-9708-019B960494DF}">
-                  <a14:hiddenLine xmlns:a14="http://schemas.microsoft.com/office/drawing/2010/main" xmlns="" w="9525">
+                  <a14:hiddenLine xmlns="" xmlns:a14="http://schemas.microsoft.com/office/drawing/2010/main" w="9525">
                     <a:solidFill>
                       <a:srgbClr val="000000"/>
                     </a:solidFill>
@@ -11450,7 +11451,7 @@
               </a:ln>
               <a:extLst>
                 <a:ext uri="{91240B29-F687-4f45-9708-019B960494DF}">
-                  <a14:hiddenLine xmlns:a14="http://schemas.microsoft.com/office/drawing/2010/main" xmlns="" w="9525">
+                  <a14:hiddenLine xmlns="" xmlns:a14="http://schemas.microsoft.com/office/drawing/2010/main" w="9525">
                     <a:solidFill>
                       <a:srgbClr val="000000"/>
                     </a:solidFill>
@@ -11515,7 +11516,7 @@
               </a:ln>
               <a:extLst>
                 <a:ext uri="{91240B29-F687-4f45-9708-019B960494DF}">
-                  <a14:hiddenLine xmlns:a14="http://schemas.microsoft.com/office/drawing/2010/main" xmlns="" w="9525">
+                  <a14:hiddenLine xmlns="" xmlns:a14="http://schemas.microsoft.com/office/drawing/2010/main" w="9525">
                     <a:solidFill>
                       <a:srgbClr val="000000"/>
                     </a:solidFill>
@@ -11635,7 +11636,7 @@
               </a:ln>
               <a:extLst>
                 <a:ext uri="{91240B29-F687-4f45-9708-019B960494DF}">
-                  <a14:hiddenLine xmlns:a14="http://schemas.microsoft.com/office/drawing/2010/main" xmlns="" w="9525">
+                  <a14:hiddenLine xmlns="" xmlns:a14="http://schemas.microsoft.com/office/drawing/2010/main" w="9525">
                     <a:solidFill>
                       <a:srgbClr val="000000"/>
                     </a:solidFill>
@@ -11716,7 +11717,7 @@
               </a:ln>
               <a:extLst>
                 <a:ext uri="{91240B29-F687-4f45-9708-019B960494DF}">
-                  <a14:hiddenLine xmlns:a14="http://schemas.microsoft.com/office/drawing/2010/main" xmlns="" w="9525">
+                  <a14:hiddenLine xmlns="" xmlns:a14="http://schemas.microsoft.com/office/drawing/2010/main" w="9525">
                     <a:solidFill>
                       <a:srgbClr val="000000"/>
                     </a:solidFill>
@@ -11831,7 +11832,7 @@
               </a:ln>
               <a:extLst>
                 <a:ext uri="{91240B29-F687-4f45-9708-019B960494DF}">
-                  <a14:hiddenLine xmlns:a14="http://schemas.microsoft.com/office/drawing/2010/main" xmlns="" w="9525">
+                  <a14:hiddenLine xmlns="" xmlns:a14="http://schemas.microsoft.com/office/drawing/2010/main" w="9525">
                     <a:solidFill>
                       <a:srgbClr val="000000"/>
                     </a:solidFill>
@@ -11921,7 +11922,7 @@
               </a:ln>
               <a:extLst>
                 <a:ext uri="{91240B29-F687-4f45-9708-019B960494DF}">
-                  <a14:hiddenLine xmlns:a14="http://schemas.microsoft.com/office/drawing/2010/main" xmlns="" w="9525">
+                  <a14:hiddenLine xmlns="" xmlns:a14="http://schemas.microsoft.com/office/drawing/2010/main" w="9525">
                     <a:solidFill>
                       <a:srgbClr val="000000"/>
                     </a:solidFill>
@@ -11986,7 +11987,7 @@
               </a:ln>
               <a:extLst>
                 <a:ext uri="{91240B29-F687-4f45-9708-019B960494DF}">
-                  <a14:hiddenLine xmlns:a14="http://schemas.microsoft.com/office/drawing/2010/main" xmlns="" w="9525">
+                  <a14:hiddenLine xmlns="" xmlns:a14="http://schemas.microsoft.com/office/drawing/2010/main" w="9525">
                     <a:solidFill>
                       <a:srgbClr val="000000"/>
                     </a:solidFill>
@@ -12076,7 +12077,7 @@
               </a:ln>
               <a:extLst>
                 <a:ext uri="{91240B29-F687-4f45-9708-019B960494DF}">
-                  <a14:hiddenLine xmlns:a14="http://schemas.microsoft.com/office/drawing/2010/main" xmlns="" w="9525">
+                  <a14:hiddenLine xmlns="" xmlns:a14="http://schemas.microsoft.com/office/drawing/2010/main" w="9525">
                     <a:solidFill>
                       <a:srgbClr val="000000"/>
                     </a:solidFill>
@@ -12144,7 +12145,7 @@
               </a:ln>
               <a:extLst>
                 <a:ext uri="{91240B29-F687-4f45-9708-019B960494DF}">
-                  <a14:hiddenLine xmlns:a14="http://schemas.microsoft.com/office/drawing/2010/main" xmlns="" w="9525">
+                  <a14:hiddenLine xmlns="" xmlns:a14="http://schemas.microsoft.com/office/drawing/2010/main" w="9525">
                     <a:solidFill>
                       <a:srgbClr val="000000"/>
                     </a:solidFill>
@@ -12234,7 +12235,7 @@
               </a:ln>
               <a:extLst>
                 <a:ext uri="{91240B29-F687-4f45-9708-019B960494DF}">
-                  <a14:hiddenLine xmlns:a14="http://schemas.microsoft.com/office/drawing/2010/main" xmlns="" w="9525">
+                  <a14:hiddenLine xmlns="" xmlns:a14="http://schemas.microsoft.com/office/drawing/2010/main" w="9525">
                     <a:solidFill>
                       <a:srgbClr val="000000"/>
                     </a:solidFill>
@@ -12302,7 +12303,7 @@
               </a:ln>
               <a:extLst>
                 <a:ext uri="{91240B29-F687-4f45-9708-019B960494DF}">
-                  <a14:hiddenLine xmlns:a14="http://schemas.microsoft.com/office/drawing/2010/main" xmlns="" w="9525">
+                  <a14:hiddenLine xmlns="" xmlns:a14="http://schemas.microsoft.com/office/drawing/2010/main" w="9525">
                     <a:solidFill>
                       <a:srgbClr val="000000"/>
                     </a:solidFill>
@@ -12392,7 +12393,7 @@
               </a:ln>
               <a:extLst>
                 <a:ext uri="{91240B29-F687-4f45-9708-019B960494DF}">
-                  <a14:hiddenLine xmlns:a14="http://schemas.microsoft.com/office/drawing/2010/main" xmlns="" w="9525">
+                  <a14:hiddenLine xmlns="" xmlns:a14="http://schemas.microsoft.com/office/drawing/2010/main" w="9525">
                     <a:solidFill>
                       <a:srgbClr val="000000"/>
                     </a:solidFill>
@@ -12426,7 +12427,7 @@
               </a:ln>
               <a:extLst>
                 <a:ext uri="{91240B29-F687-4f45-9708-019B960494DF}">
-                  <a14:hiddenLine xmlns:a14="http://schemas.microsoft.com/office/drawing/2010/main" xmlns="" w="9525">
+                  <a14:hiddenLine xmlns="" xmlns:a14="http://schemas.microsoft.com/office/drawing/2010/main" w="9525">
                     <a:solidFill>
                       <a:srgbClr val="000000"/>
                     </a:solidFill>
@@ -14447,11 +14448,22 @@
             <a:pPr lvl="1"/>
             <a:r>
               <a:rPr lang="en-US" dirty="0">
+                <a:solidFill>
+                  <a:srgbClr val="FFC000"/>
+                </a:solidFill>
                 <a:latin typeface="Tahoma" panose="020B0604030504040204" pitchFamily="34" charset="0"/>
                 <a:ea typeface="Tahoma" panose="020B0604030504040204" pitchFamily="34" charset="0"/>
                 <a:cs typeface="Tahoma" panose="020B0604030504040204" pitchFamily="34" charset="0"/>
               </a:rPr>
-              <a:t>line-height (using unit or number value)</a:t>
+              <a:t>line-heigh</a:t>
+            </a:r>
+            <a:r>
+              <a:rPr lang="en-US" dirty="0">
+                <a:latin typeface="Tahoma" panose="020B0604030504040204" pitchFamily="34" charset="0"/>
+                <a:ea typeface="Tahoma" panose="020B0604030504040204" pitchFamily="34" charset="0"/>
+                <a:cs typeface="Tahoma" panose="020B0604030504040204" pitchFamily="34" charset="0"/>
+              </a:rPr>
+              <a:t>t (using unit or number value)</a:t>
             </a:r>
           </a:p>
           <a:p>
@@ -14641,6 +14653,78 @@
                 <a:ea typeface="Tahoma" panose="020B0604030504040204" pitchFamily="34" charset="0"/>
                 <a:cs typeface="Tahoma" panose="020B0604030504040204" pitchFamily="34" charset="0"/>
               </a:rPr>
+              <a:t>user-select</a:t>
+            </a:r>
+          </a:p>
+          <a:p>
+            <a:pPr lvl="3"/>
+            <a:r>
+              <a:rPr lang="en-US" dirty="0">
+                <a:solidFill>
+                  <a:srgbClr val="FFC000"/>
+                </a:solidFill>
+                <a:latin typeface="Tahoma" panose="020B0604030504040204" pitchFamily="34" charset="0"/>
+                <a:ea typeface="Tahoma" panose="020B0604030504040204" pitchFamily="34" charset="0"/>
+                <a:cs typeface="Tahoma" panose="020B0604030504040204" pitchFamily="34" charset="0"/>
+              </a:rPr>
+              <a:t>auto</a:t>
+            </a:r>
+          </a:p>
+          <a:p>
+            <a:pPr lvl="3"/>
+            <a:r>
+              <a:rPr lang="en-US" dirty="0">
+                <a:solidFill>
+                  <a:srgbClr val="FFC000"/>
+                </a:solidFill>
+                <a:latin typeface="Tahoma" panose="020B0604030504040204" pitchFamily="34" charset="0"/>
+                <a:ea typeface="Tahoma" panose="020B0604030504040204" pitchFamily="34" charset="0"/>
+                <a:cs typeface="Tahoma" panose="020B0604030504040204" pitchFamily="34" charset="0"/>
+              </a:rPr>
+              <a:t>none</a:t>
+            </a:r>
+          </a:p>
+          <a:p>
+            <a:pPr lvl="3"/>
+            <a:r>
+              <a:rPr lang="en-US" dirty="0">
+                <a:solidFill>
+                  <a:srgbClr val="FFC000"/>
+                </a:solidFill>
+                <a:latin typeface="Tahoma" panose="020B0604030504040204" pitchFamily="34" charset="0"/>
+                <a:ea typeface="Tahoma" panose="020B0604030504040204" pitchFamily="34" charset="0"/>
+                <a:cs typeface="Tahoma" panose="020B0604030504040204" pitchFamily="34" charset="0"/>
+              </a:rPr>
+              <a:t>text</a:t>
+            </a:r>
+          </a:p>
+          <a:p>
+            <a:pPr lvl="3"/>
+            <a:r>
+              <a:rPr lang="en-US" dirty="0">
+                <a:solidFill>
+                  <a:srgbClr val="FFC000"/>
+                </a:solidFill>
+                <a:latin typeface="Tahoma" panose="020B0604030504040204" pitchFamily="34" charset="0"/>
+                <a:ea typeface="Tahoma" panose="020B0604030504040204" pitchFamily="34" charset="0"/>
+                <a:cs typeface="Tahoma" panose="020B0604030504040204" pitchFamily="34" charset="0"/>
+              </a:rPr>
+              <a:t>all</a:t>
+            </a:r>
+            <a:endParaRPr lang="en-US" dirty="0">
+              <a:latin typeface="Tahoma" panose="020B0604030504040204" pitchFamily="34" charset="0"/>
+              <a:ea typeface="Tahoma" panose="020B0604030504040204" pitchFamily="34" charset="0"/>
+              <a:cs typeface="Tahoma" panose="020B0604030504040204" pitchFamily="34" charset="0"/>
+            </a:endParaRPr>
+          </a:p>
+          <a:p>
+            <a:pPr lvl="1"/>
+            <a:r>
+              <a:rPr lang="en-US" dirty="0">
+                <a:latin typeface="Tahoma" panose="020B0604030504040204" pitchFamily="34" charset="0"/>
+                <a:ea typeface="Tahoma" panose="020B0604030504040204" pitchFamily="34" charset="0"/>
+                <a:cs typeface="Tahoma" panose="020B0604030504040204" pitchFamily="34" charset="0"/>
+              </a:rPr>
               <a:t>writing-mode</a:t>
             </a:r>
           </a:p>
@@ -14799,70 +14883,14 @@
           </a:p>
           <a:p>
             <a:pPr lvl="1"/>
-            <a:r>
-              <a:rPr lang="en-US" dirty="0">
-                <a:latin typeface="Tahoma" panose="020B0604030504040204" pitchFamily="34" charset="0"/>
-                <a:ea typeface="Tahoma" panose="020B0604030504040204" pitchFamily="34" charset="0"/>
-                <a:cs typeface="Tahoma" panose="020B0604030504040204" pitchFamily="34" charset="0"/>
-              </a:rPr>
-              <a:t>user-select</a:t>
-            </a:r>
-          </a:p>
-          <a:p>
-            <a:pPr lvl="3"/>
-            <a:r>
-              <a:rPr lang="en-US" dirty="0">
-                <a:solidFill>
-                  <a:srgbClr val="FFC000"/>
-                </a:solidFill>
-                <a:latin typeface="Tahoma" panose="020B0604030504040204" pitchFamily="34" charset="0"/>
-                <a:ea typeface="Tahoma" panose="020B0604030504040204" pitchFamily="34" charset="0"/>
-                <a:cs typeface="Tahoma" panose="020B0604030504040204" pitchFamily="34" charset="0"/>
-              </a:rPr>
-              <a:t>auto</a:t>
-            </a:r>
-          </a:p>
-          <a:p>
-            <a:pPr lvl="3"/>
-            <a:r>
-              <a:rPr lang="en-US" dirty="0">
-                <a:solidFill>
-                  <a:srgbClr val="FFC000"/>
-                </a:solidFill>
-                <a:latin typeface="Tahoma" panose="020B0604030504040204" pitchFamily="34" charset="0"/>
-                <a:ea typeface="Tahoma" panose="020B0604030504040204" pitchFamily="34" charset="0"/>
-                <a:cs typeface="Tahoma" panose="020B0604030504040204" pitchFamily="34" charset="0"/>
-              </a:rPr>
-              <a:t>none</a:t>
-            </a:r>
-          </a:p>
-          <a:p>
-            <a:pPr lvl="3"/>
-            <a:r>
-              <a:rPr lang="en-US" dirty="0">
-                <a:solidFill>
-                  <a:srgbClr val="FFC000"/>
-                </a:solidFill>
-                <a:latin typeface="Tahoma" panose="020B0604030504040204" pitchFamily="34" charset="0"/>
-                <a:ea typeface="Tahoma" panose="020B0604030504040204" pitchFamily="34" charset="0"/>
-                <a:cs typeface="Tahoma" panose="020B0604030504040204" pitchFamily="34" charset="0"/>
-              </a:rPr>
-              <a:t>text</a:t>
-            </a:r>
-          </a:p>
-          <a:p>
-            <a:pPr lvl="3"/>
-            <a:r>
-              <a:rPr lang="en-US" dirty="0">
-                <a:solidFill>
-                  <a:srgbClr val="FFC000"/>
-                </a:solidFill>
-                <a:latin typeface="Tahoma" panose="020B0604030504040204" pitchFamily="34" charset="0"/>
-                <a:ea typeface="Tahoma" panose="020B0604030504040204" pitchFamily="34" charset="0"/>
-                <a:cs typeface="Tahoma" panose="020B0604030504040204" pitchFamily="34" charset="0"/>
-              </a:rPr>
-              <a:t>all</a:t>
-            </a:r>
+            <a:endParaRPr lang="en-US" dirty="0">
+              <a:solidFill>
+                <a:srgbClr val="FFC000"/>
+              </a:solidFill>
+              <a:latin typeface="Tahoma" panose="020B0604030504040204" pitchFamily="34" charset="0"/>
+              <a:ea typeface="Tahoma" panose="020B0604030504040204" pitchFamily="34" charset="0"/>
+              <a:cs typeface="Tahoma" panose="020B0604030504040204" pitchFamily="34" charset="0"/>
+            </a:endParaRPr>
           </a:p>
         </p:txBody>
       </p:sp>
@@ -15334,6 +15362,66 @@
     <p:extLst>
       <p:ext uri="{BB962C8B-B14F-4D97-AF65-F5344CB8AC3E}">
         <p14:creationId xmlns:p14="http://schemas.microsoft.com/office/powerpoint/2010/main" val="1806599616"/>
+      </p:ext>
+    </p:extLst>
+  </p:cSld>
+  <p:clrMapOvr>
+    <a:masterClrMapping/>
+  </p:clrMapOvr>
+</p:sld>
+</file>
+
+<file path=ppt/slides/slide9.xml><?xml version="1.0" encoding="utf-8"?>
+<p:sld xmlns:a="http://schemas.openxmlformats.org/drawingml/2006/main" xmlns:r="http://schemas.openxmlformats.org/officeDocument/2006/relationships" xmlns:p="http://schemas.openxmlformats.org/presentationml/2006/main">
+  <p:cSld>
+    <p:spTree>
+      <p:nvGrpSpPr>
+        <p:cNvPr id="1" name=""/>
+        <p:cNvGrpSpPr/>
+        <p:nvPr/>
+      </p:nvGrpSpPr>
+      <p:grpSpPr>
+        <a:xfrm>
+          <a:off x="0" y="0"/>
+          <a:ext cx="0" cy="0"/>
+          <a:chOff x="0" y="0"/>
+          <a:chExt cx="0" cy="0"/>
+        </a:xfrm>
+      </p:grpSpPr>
+      <p:pic>
+        <p:nvPicPr>
+          <p:cNvPr id="5" name="Picture 4">
+            <a:extLst>
+              <a:ext uri="{FF2B5EF4-FFF2-40B4-BE49-F238E27FC236}">
+                <a16:creationId xmlns:a16="http://schemas.microsoft.com/office/drawing/2014/main" id="{CCE15913-E820-5CC9-ABC8-F7B24283366E}"/>
+              </a:ext>
+            </a:extLst>
+          </p:cNvPr>
+          <p:cNvPicPr>
+            <a:picLocks noChangeAspect="1"/>
+          </p:cNvPicPr>
+          <p:nvPr/>
+        </p:nvPicPr>
+        <p:blipFill>
+          <a:blip r:embed="rId2"/>
+          <a:stretch>
+            <a:fillRect/>
+          </a:stretch>
+        </p:blipFill>
+        <p:spPr>
+          <a:xfrm>
+            <a:off x="2788920" y="480060"/>
+            <a:ext cx="6103620" cy="6103620"/>
+          </a:xfrm>
+          <a:prstGeom prst="rect">
+            <a:avLst/>
+          </a:prstGeom>
+        </p:spPr>
+      </p:pic>
+    </p:spTree>
+    <p:extLst>
+      <p:ext uri="{BB962C8B-B14F-4D97-AF65-F5344CB8AC3E}">
+        <p14:creationId xmlns:p14="http://schemas.microsoft.com/office/powerpoint/2010/main" val="519782688"/>
       </p:ext>
     </p:extLst>
   </p:cSld>
@@ -16185,6 +16273,15 @@
 </file>
 
 <file path=customXml/item1.xml><?xml version="1.0" encoding="utf-8"?>
+<?mso-contentType ?>
+<FormTemplates xmlns="http://schemas.microsoft.com/sharepoint/v3/contenttype/forms">
+  <Display>DocumentLibraryForm</Display>
+  <Edit>DocumentLibraryForm</Edit>
+  <New>DocumentLibraryForm</New>
+</FormTemplates>
+</file>
+
+<file path=customXml/item2.xml><?xml version="1.0" encoding="utf-8"?>
 <ct:contentTypeSchema xmlns:ct="http://schemas.microsoft.com/office/2006/metadata/contentType" xmlns:ma="http://schemas.microsoft.com/office/2006/metadata/properties/metaAttributes" ct:_="" ma:_="" ma:contentTypeName="Document" ma:contentTypeID="0x01010079F111ED35F8CC479449609E8A0923A6" ma:contentTypeVersion="11" ma:contentTypeDescription="Create a new document." ma:contentTypeScope="" ma:versionID="96291512c1ee715ab617f4c07df79fc1">
   <xsd:schema xmlns:xsd="http://www.w3.org/2001/XMLSchema" xmlns:xs="http://www.w3.org/2001/XMLSchema" xmlns:p="http://schemas.microsoft.com/office/2006/metadata/properties" xmlns:ns2="71af3243-3dd4-4a8d-8c0d-dd76da1f02a5" xmlns:ns3="16c05727-aa75-4e4a-9b5f-8a80a1165891" targetNamespace="http://schemas.microsoft.com/office/2006/metadata/properties" ma:root="true" ma:fieldsID="8256c27c40ca5c40ce1cf6c44f0205df" ns2:_="" ns3:_="">
     <xsd:import namespace="71af3243-3dd4-4a8d-8c0d-dd76da1f02a5"/>
@@ -16395,15 +16492,6 @@
 </ct:contentTypeSchema>
 </file>
 
-<file path=customXml/item2.xml><?xml version="1.0" encoding="utf-8"?>
-<?mso-contentType ?>
-<FormTemplates xmlns="http://schemas.microsoft.com/sharepoint/v3/contenttype/forms">
-  <Display>DocumentLibraryForm</Display>
-  <Edit>DocumentLibraryForm</Edit>
-  <New>DocumentLibraryForm</New>
-</FormTemplates>
-</file>
-
 <file path=customXml/item3.xml><?xml version="1.0" encoding="utf-8"?>
 <p:properties xmlns:p="http://schemas.microsoft.com/office/2006/metadata/properties" xmlns:xsi="http://www.w3.org/2001/XMLSchema-instance" xmlns:pc="http://schemas.microsoft.com/office/infopath/2007/PartnerControls">
   <documentManagement>
@@ -16413,6 +16501,14 @@
 </file>
 
 <file path=customXml/itemProps1.xml><?xml version="1.0" encoding="utf-8"?>
+<ds:datastoreItem xmlns:ds="http://schemas.openxmlformats.org/officeDocument/2006/customXml" ds:itemID="{B579702B-25C7-40D7-9E29-7686B11A9660}">
+  <ds:schemaRefs>
+    <ds:schemaRef ds:uri="http://schemas.microsoft.com/sharepoint/v3/contenttype/forms"/>
+  </ds:schemaRefs>
+</ds:datastoreItem>
+</file>
+
+<file path=customXml/itemProps2.xml><?xml version="1.0" encoding="utf-8"?>
 <ds:datastoreItem xmlns:ds="http://schemas.openxmlformats.org/officeDocument/2006/customXml" ds:itemID="{A7C0B241-13E5-418D-8920-D23491E2D2C0}">
   <ds:schemaRefs>
     <ds:schemaRef ds:uri="http://schemas.microsoft.com/office/2006/metadata/contentType"/>
@@ -16431,14 +16527,6 @@
 </ds:datastoreItem>
 </file>
 
-<file path=customXml/itemProps2.xml><?xml version="1.0" encoding="utf-8"?>
-<ds:datastoreItem xmlns:ds="http://schemas.openxmlformats.org/officeDocument/2006/customXml" ds:itemID="{B579702B-25C7-40D7-9E29-7686B11A9660}">
-  <ds:schemaRefs>
-    <ds:schemaRef ds:uri="http://schemas.microsoft.com/sharepoint/v3/contenttype/forms"/>
-  </ds:schemaRefs>
-</ds:datastoreItem>
-</file>
-
 <file path=customXml/itemProps3.xml><?xml version="1.0" encoding="utf-8"?>
 <ds:datastoreItem xmlns:ds="http://schemas.openxmlformats.org/officeDocument/2006/customXml" ds:itemID="{E7866CFD-F94E-4AE5-ACEA-86FEC0F48A10}">
   <ds:schemaRefs>
